--- a/Delegates.pptx
+++ b/Delegates.pptx
@@ -745,7 +745,7 @@
             <a:fld id="{5436C3FD-D877-410D-ADB2-E69E62D79755}" type="datetimeFigureOut">
               <a:rPr lang="en-US" smtClean="0"/>
               <a:pPr/>
-              <a:t>3/11/2014</a:t>
+              <a:t>4/19/2019</a:t>
             </a:fld>
             <a:endParaRPr lang="en-IN"/>
           </a:p>
@@ -943,7 +943,7 @@
             <a:fld id="{5436C3FD-D877-410D-ADB2-E69E62D79755}" type="datetimeFigureOut">
               <a:rPr lang="en-US" smtClean="0"/>
               <a:pPr/>
-              <a:t>3/11/2014</a:t>
+              <a:t>4/19/2019</a:t>
             </a:fld>
             <a:endParaRPr lang="en-IN"/>
           </a:p>
@@ -1130,7 +1130,7 @@
             <a:fld id="{5436C3FD-D877-410D-ADB2-E69E62D79755}" type="datetimeFigureOut">
               <a:rPr lang="en-US" smtClean="0"/>
               <a:pPr/>
-              <a:t>3/11/2014</a:t>
+              <a:t>4/19/2019</a:t>
             </a:fld>
             <a:endParaRPr lang="en-IN"/>
           </a:p>
@@ -1282,7 +1282,7 @@
             <a:fld id="{5436C3FD-D877-410D-ADB2-E69E62D79755}" type="datetimeFigureOut">
               <a:rPr lang="en-US" smtClean="0"/>
               <a:pPr/>
-              <a:t>3/11/2014</a:t>
+              <a:t>4/19/2019</a:t>
             </a:fld>
             <a:endParaRPr lang="en-IN"/>
           </a:p>
@@ -1539,7 +1539,7 @@
             <a:fld id="{5436C3FD-D877-410D-ADB2-E69E62D79755}" type="datetimeFigureOut">
               <a:rPr lang="en-US" smtClean="0"/>
               <a:pPr/>
-              <a:t>3/11/2014</a:t>
+              <a:t>4/19/2019</a:t>
             </a:fld>
             <a:endParaRPr lang="en-IN"/>
           </a:p>
@@ -1950,7 +1950,7 @@
             <a:fld id="{5436C3FD-D877-410D-ADB2-E69E62D79755}" type="datetimeFigureOut">
               <a:rPr lang="en-US" smtClean="0"/>
               <a:pPr/>
-              <a:t>3/11/2014</a:t>
+              <a:t>4/19/2019</a:t>
             </a:fld>
             <a:endParaRPr lang="en-IN"/>
           </a:p>
@@ -2398,7 +2398,7 @@
             <a:fld id="{5436C3FD-D877-410D-ADB2-E69E62D79755}" type="datetimeFigureOut">
               <a:rPr lang="en-US" smtClean="0"/>
               <a:pPr/>
-              <a:t>3/11/2014</a:t>
+              <a:t>4/19/2019</a:t>
             </a:fld>
             <a:endParaRPr lang="en-IN"/>
           </a:p>
@@ -2501,7 +2501,7 @@
             <a:fld id="{5436C3FD-D877-410D-ADB2-E69E62D79755}" type="datetimeFigureOut">
               <a:rPr lang="en-US" smtClean="0"/>
               <a:pPr/>
-              <a:t>3/11/2014</a:t>
+              <a:t>4/19/2019</a:t>
             </a:fld>
             <a:endParaRPr lang="en-IN"/>
           </a:p>
@@ -2624,7 +2624,7 @@
             <a:fld id="{5436C3FD-D877-410D-ADB2-E69E62D79755}" type="datetimeFigureOut">
               <a:rPr lang="en-US" smtClean="0"/>
               <a:pPr/>
-              <a:t>3/11/2014</a:t>
+              <a:t>4/19/2019</a:t>
             </a:fld>
             <a:endParaRPr lang="en-IN"/>
           </a:p>
@@ -2900,7 +2900,7 @@
             <a:fld id="{5436C3FD-D877-410D-ADB2-E69E62D79755}" type="datetimeFigureOut">
               <a:rPr lang="en-US" smtClean="0"/>
               <a:pPr/>
-              <a:t>3/11/2014</a:t>
+              <a:t>4/19/2019</a:t>
             </a:fld>
             <a:endParaRPr lang="en-IN"/>
           </a:p>
@@ -3107,7 +3107,7 @@
             <a:fld id="{5436C3FD-D877-410D-ADB2-E69E62D79755}" type="datetimeFigureOut">
               <a:rPr lang="en-US" smtClean="0"/>
               <a:pPr/>
-              <a:t>3/11/2014</a:t>
+              <a:t>4/19/2019</a:t>
             </a:fld>
             <a:endParaRPr lang="en-IN"/>
           </a:p>
@@ -4218,7 +4218,7 @@
             <a:fld id="{5436C3FD-D877-410D-ADB2-E69E62D79755}" type="datetimeFigureOut">
               <a:rPr lang="en-US" smtClean="0"/>
               <a:pPr/>
-              <a:t>3/11/2014</a:t>
+              <a:t>4/19/2019</a:t>
             </a:fld>
             <a:endParaRPr lang="en-IN"/>
           </a:p>
@@ -4681,7 +4681,11 @@
             </a:pPr>
             <a:r>
               <a:rPr lang="en-US" sz="2800" dirty="0" smtClean="0"/>
-              <a:t>						 -POORVA LIMAYE</a:t>
+              <a:t>					</a:t>
+            </a:r>
+            <a:r>
+              <a:rPr lang="en-US" sz="2800" smtClean="0"/>
+              <a:t>	</a:t>
             </a:r>
             <a:endParaRPr lang="en-US" dirty="0" smtClean="0"/>
           </a:p>
@@ -6016,19 +6020,8 @@
                 <a:latin typeface="Calibri" pitchFamily="34" charset="0"/>
                 <a:cs typeface="Calibri" pitchFamily="34" charset="0"/>
               </a:rPr>
-              <a:t>Declared and </a:t>
-            </a:r>
-            <a:r>
-              <a:rPr lang="en-IN" dirty="0" smtClean="0">
-                <a:latin typeface="Calibri" pitchFamily="34" charset="0"/>
-                <a:cs typeface="Calibri" pitchFamily="34" charset="0"/>
-              </a:rPr>
-              <a:t>Instantiated</a:t>
-            </a:r>
-            <a:endParaRPr lang="en-IN" dirty="0" smtClean="0">
-              <a:latin typeface="Calibri" pitchFamily="34" charset="0"/>
-              <a:cs typeface="Calibri" pitchFamily="34" charset="0"/>
-            </a:endParaRPr>
+              <a:t>Declared and Instantiated</a:t>
+            </a:r>
           </a:p>
           <a:p>
             <a:pPr>
@@ -6224,14 +6217,7 @@
                 <a:latin typeface="Calibri" pitchFamily="34" charset="0"/>
                 <a:cs typeface="Calibri" pitchFamily="34" charset="0"/>
               </a:rPr>
-              <a:t> y</a:t>
-            </a:r>
-            <a:r>
-              <a:rPr lang="en-IN" dirty="0" smtClean="0">
-                <a:latin typeface="Calibri" pitchFamily="34" charset="0"/>
-                <a:cs typeface="Calibri" pitchFamily="34" charset="0"/>
-              </a:rPr>
-              <a:t>);</a:t>
+              <a:t> y);</a:t>
             </a:r>
           </a:p>
           <a:p>
